--- a/s2/slides/s2.pptx
+++ b/s2/slides/s2.pptx
@@ -214,7 +214,7 @@
           <a:p>
             <a:fld id="{EBD6F028-2067-3740-AA48-A91E93570B1D}" type="datetimeFigureOut">
               <a:rPr lang="en-US" smtClean="0"/>
-              <a:t>10/6/19</a:t>
+              <a:t>9/27/20</a:t>
             </a:fld>
             <a:endParaRPr lang="en-US"/>
           </a:p>
@@ -1556,6 +1556,18 @@
           <a:p>
             <a:r>
               <a:rPr lang="en-US" dirty="0"/>
+              <a:t>Learn useful workstation commands. </a:t>
+            </a:r>
+          </a:p>
+          <a:p>
+            <a:r>
+              <a:rPr lang="en-US" dirty="0"/>
+              <a:t>Learn how group login accounts will work for the rest of the class.</a:t>
+            </a:r>
+          </a:p>
+          <a:p>
+            <a:r>
+              <a:rPr lang="en-US" dirty="0"/>
               <a:t>Gain a basic understanding of the Robot Operating System (ROS) by implementing classes, nodes, and topics.</a:t>
             </a:r>
           </a:p>
@@ -1564,18 +1576,6 @@
             <a:r>
               <a:rPr lang="en-US" dirty="0"/>
               <a:t>Use catkin build tools and other commands to interact with ROS through the terminal. </a:t>
-            </a:r>
-          </a:p>
-          <a:p>
-            <a:r>
-              <a:rPr lang="en-US" dirty="0"/>
-              <a:t>Learn useful workstation commands. </a:t>
-            </a:r>
-          </a:p>
-          <a:p>
-            <a:r>
-              <a:rPr lang="en-US" dirty="0"/>
-              <a:t>Learn how group login accounts will work for the rest of the class.</a:t>
             </a:r>
           </a:p>
         </p:txBody>
@@ -1858,6 +1858,17 @@
               <a:rPr lang="en-US" dirty="0"/>
               <a:t>These question marks are on purpose, you’ll be the ones finding out the specs of this computer!</a:t>
             </a:r>
+          </a:p>
+          <a:p>
+            <a:r>
+              <a:rPr lang="en-US" dirty="0"/>
+              <a:t>Each breakout room will be assigned an account to use and work together to complete </a:t>
+            </a:r>
+            <a:r>
+              <a:rPr lang="en-US"/>
+              <a:t>the assignment</a:t>
+            </a:r>
+            <a:endParaRPr lang="en-US" dirty="0"/>
           </a:p>
         </p:txBody>
       </p:sp>

--- a/s2/slides/s2.pptx
+++ b/s2/slides/s2.pptx
@@ -1982,7 +1982,15 @@
           <a:p>
             <a:r>
               <a:rPr lang="en-US" dirty="0"/>
-              <a:t>Focuses on ROS and common use-cases for it in this course, building familiarity with your VM setups as well</a:t>
+              <a:t>Focuses on ROS and common use-cases for it in this course</a:t>
+            </a:r>
+            <a:r>
+              <a:rPr lang="en-US" dirty="0">
+                <a:solidFill>
+                  <a:schemeClr val="bg1"/>
+                </a:solidFill>
+              </a:rPr>
+              <a:t>, building familiarity with your VM setups as well</a:t>
             </a:r>
           </a:p>
           <a:p>

--- a/s2/slides/s2.pptx
+++ b/s2/slides/s2.pptx
@@ -214,7 +214,7 @@
           <a:p>
             <a:fld id="{EBD6F028-2067-3740-AA48-A91E93570B1D}" type="datetimeFigureOut">
               <a:rPr lang="en-US" smtClean="0"/>
-              <a:t>9/27/20</a:t>
+              <a:t>10/4/2021</a:t>
             </a:fld>
             <a:endParaRPr lang="en-US"/>
           </a:p>
@@ -1562,7 +1562,7 @@
           <a:p>
             <a:r>
               <a:rPr lang="en-US" dirty="0"/>
-              <a:t>Learn how group login accounts will work for the rest of the class.</a:t>
+              <a:t>Learn how group login accounts will work for the rest of the class, including your final project.</a:t>
             </a:r>
           </a:p>
           <a:p>
@@ -1835,7 +1835,7 @@
           <a:p>
             <a:r>
               <a:rPr lang="en-US" dirty="0"/>
-              <a:t>Last year, some students had laptops which weren’t powerful enough to run a VM + robot simulation software which was necessary for homework and very helpful for the final project.</a:t>
+              <a:t>In previous years, some students had laptops which weren’t powerful enough to run a VM + robot simulation software which was necessary for homework and very helpful for the final project.</a:t>
             </a:r>
           </a:p>
           <a:p>
@@ -1862,13 +1862,8 @@
           <a:p>
             <a:r>
               <a:rPr lang="en-US" dirty="0"/>
-              <a:t>Each breakout room will be assigned an account to use and work together to complete </a:t>
-            </a:r>
-            <a:r>
-              <a:rPr lang="en-US"/>
-              <a:t>the assignment</a:t>
-            </a:r>
-            <a:endParaRPr lang="en-US" dirty="0"/>
+              <a:t>Each group or breakout room will be assigned an account to use and work together to complete the assignment</a:t>
+            </a:r>
           </a:p>
         </p:txBody>
       </p:sp>
